--- a/assets/슛 골인 게임 - 클래스 다이어그램 실습 -/클래스 다이어그램.pptx
+++ b/assets/슛 골인 게임 - 클래스 다이어그램 실습 -/클래스 다이어그램.pptx
@@ -243,7 +243,7 @@
           <a:p>
             <a:fld id="{BA6DE061-12E5-48BC-94D4-29EE30E27423}" type="datetimeFigureOut">
               <a:rPr lang="ko-KR" altLang="en-US" smtClean="0"/>
-              <a:t>2022-07-01</a:t>
+              <a:t>2022-07-04</a:t>
             </a:fld>
             <a:endParaRPr lang="ko-KR" altLang="en-US"/>
           </a:p>
@@ -413,7 +413,7 @@
           <a:p>
             <a:fld id="{BA6DE061-12E5-48BC-94D4-29EE30E27423}" type="datetimeFigureOut">
               <a:rPr lang="ko-KR" altLang="en-US" smtClean="0"/>
-              <a:t>2022-07-01</a:t>
+              <a:t>2022-07-04</a:t>
             </a:fld>
             <a:endParaRPr lang="ko-KR" altLang="en-US"/>
           </a:p>
@@ -593,7 +593,7 @@
           <a:p>
             <a:fld id="{BA6DE061-12E5-48BC-94D4-29EE30E27423}" type="datetimeFigureOut">
               <a:rPr lang="ko-KR" altLang="en-US" smtClean="0"/>
-              <a:t>2022-07-01</a:t>
+              <a:t>2022-07-04</a:t>
             </a:fld>
             <a:endParaRPr lang="ko-KR" altLang="en-US"/>
           </a:p>
@@ -763,7 +763,7 @@
           <a:p>
             <a:fld id="{BA6DE061-12E5-48BC-94D4-29EE30E27423}" type="datetimeFigureOut">
               <a:rPr lang="ko-KR" altLang="en-US" smtClean="0"/>
-              <a:t>2022-07-01</a:t>
+              <a:t>2022-07-04</a:t>
             </a:fld>
             <a:endParaRPr lang="ko-KR" altLang="en-US"/>
           </a:p>
@@ -1007,7 +1007,7 @@
           <a:p>
             <a:fld id="{BA6DE061-12E5-48BC-94D4-29EE30E27423}" type="datetimeFigureOut">
               <a:rPr lang="ko-KR" altLang="en-US" smtClean="0"/>
-              <a:t>2022-07-01</a:t>
+              <a:t>2022-07-04</a:t>
             </a:fld>
             <a:endParaRPr lang="ko-KR" altLang="en-US"/>
           </a:p>
@@ -1239,7 +1239,7 @@
           <a:p>
             <a:fld id="{BA6DE061-12E5-48BC-94D4-29EE30E27423}" type="datetimeFigureOut">
               <a:rPr lang="ko-KR" altLang="en-US" smtClean="0"/>
-              <a:t>2022-07-01</a:t>
+              <a:t>2022-07-04</a:t>
             </a:fld>
             <a:endParaRPr lang="ko-KR" altLang="en-US"/>
           </a:p>
@@ -1606,7 +1606,7 @@
           <a:p>
             <a:fld id="{BA6DE061-12E5-48BC-94D4-29EE30E27423}" type="datetimeFigureOut">
               <a:rPr lang="ko-KR" altLang="en-US" smtClean="0"/>
-              <a:t>2022-07-01</a:t>
+              <a:t>2022-07-04</a:t>
             </a:fld>
             <a:endParaRPr lang="ko-KR" altLang="en-US"/>
           </a:p>
@@ -1724,7 +1724,7 @@
           <a:p>
             <a:fld id="{BA6DE061-12E5-48BC-94D4-29EE30E27423}" type="datetimeFigureOut">
               <a:rPr lang="ko-KR" altLang="en-US" smtClean="0"/>
-              <a:t>2022-07-01</a:t>
+              <a:t>2022-07-04</a:t>
             </a:fld>
             <a:endParaRPr lang="ko-KR" altLang="en-US"/>
           </a:p>
@@ -1819,7 +1819,7 @@
           <a:p>
             <a:fld id="{BA6DE061-12E5-48BC-94D4-29EE30E27423}" type="datetimeFigureOut">
               <a:rPr lang="ko-KR" altLang="en-US" smtClean="0"/>
-              <a:t>2022-07-01</a:t>
+              <a:t>2022-07-04</a:t>
             </a:fld>
             <a:endParaRPr lang="ko-KR" altLang="en-US"/>
           </a:p>
@@ -2096,7 +2096,7 @@
           <a:p>
             <a:fld id="{BA6DE061-12E5-48BC-94D4-29EE30E27423}" type="datetimeFigureOut">
               <a:rPr lang="ko-KR" altLang="en-US" smtClean="0"/>
-              <a:t>2022-07-01</a:t>
+              <a:t>2022-07-04</a:t>
             </a:fld>
             <a:endParaRPr lang="ko-KR" altLang="en-US"/>
           </a:p>
@@ -2353,7 +2353,7 @@
           <a:p>
             <a:fld id="{BA6DE061-12E5-48BC-94D4-29EE30E27423}" type="datetimeFigureOut">
               <a:rPr lang="ko-KR" altLang="en-US" smtClean="0"/>
-              <a:t>2022-07-01</a:t>
+              <a:t>2022-07-04</a:t>
             </a:fld>
             <a:endParaRPr lang="ko-KR" altLang="en-US"/>
           </a:p>
@@ -2566,7 +2566,7 @@
           <a:p>
             <a:fld id="{BA6DE061-12E5-48BC-94D4-29EE30E27423}" type="datetimeFigureOut">
               <a:rPr lang="ko-KR" altLang="en-US" smtClean="0"/>
-              <a:t>2022-07-01</a:t>
+              <a:t>2022-07-04</a:t>
             </a:fld>
             <a:endParaRPr lang="ko-KR" altLang="en-US"/>
           </a:p>
@@ -4169,7 +4169,7 @@
               <a:t> </a:t>
             </a:r>
             <a:r>
-              <a:rPr lang="en-US" altLang="ko-KR" sz="857" dirty="0" err="1">
+              <a:rPr lang="en-US" altLang="ko-KR" sz="860" dirty="0" err="1">
                 <a:solidFill>
                   <a:srgbClr val="000000"/>
                 </a:solidFill>
@@ -4179,7 +4179,7 @@
               <a:t>init</a:t>
             </a:r>
             <a:r>
-              <a:rPr lang="en-US" altLang="ko-KR" sz="857" dirty="0">
+              <a:rPr lang="en-US" altLang="ko-KR" sz="860" dirty="0">
                 <a:solidFill>
                   <a:srgbClr val="000000"/>
                 </a:solidFill>
@@ -4189,7 +4189,7 @@
               <a:t>() </a:t>
             </a:r>
             <a:r>
-              <a:rPr lang="en-US" altLang="ko-KR" sz="857" dirty="0">
+              <a:rPr lang="en-US" altLang="ko-KR" sz="860" dirty="0">
                 <a:solidFill>
                   <a:srgbClr val="0000FF"/>
                 </a:solidFill>
@@ -4199,7 +4199,7 @@
               <a:t>override</a:t>
             </a:r>
             <a:r>
-              <a:rPr lang="en-US" altLang="ko-KR" sz="857" dirty="0">
+              <a:rPr lang="en-US" altLang="ko-KR" sz="860" dirty="0">
                 <a:solidFill>
                   <a:srgbClr val="000000"/>
                 </a:solidFill>
@@ -4208,20 +4208,109 @@
               </a:rPr>
               <a:t>;</a:t>
             </a:r>
-          </a:p>
-          <a:p>
-            <a:r>
-              <a:rPr lang="en-US" altLang="ko-KR" sz="857" dirty="0">
+            <a:endParaRPr lang="ko-KR" altLang="en-US" sz="860" dirty="0">
+              <a:solidFill>
+                <a:srgbClr val="000000"/>
+              </a:solidFill>
+              <a:latin typeface="돋움체" panose="020B0609000101010101" pitchFamily="49" charset="-127"/>
+              <a:ea typeface="돋움체" panose="020B0609000101010101" pitchFamily="49" charset="-127"/>
+            </a:endParaRPr>
+          </a:p>
+          <a:p>
+            <a:r>
+              <a:rPr lang="en-US" altLang="ko-KR" sz="860" dirty="0">
                 <a:solidFill>
                   <a:srgbClr val="0000FF"/>
                 </a:solidFill>
                 <a:latin typeface="돋움체" panose="020B0609000101010101" pitchFamily="49" charset="-127"/>
                 <a:ea typeface="돋움체" panose="020B0609000101010101" pitchFamily="49" charset="-127"/>
               </a:rPr>
+              <a:t>void</a:t>
+            </a:r>
+            <a:r>
+              <a:rPr lang="en-US" altLang="ko-KR" sz="860" dirty="0">
+                <a:solidFill>
+                  <a:srgbClr val="000000"/>
+                </a:solidFill>
+                <a:latin typeface="돋움체" panose="020B0609000101010101" pitchFamily="49" charset="-127"/>
+                <a:ea typeface="돋움체" panose="020B0609000101010101" pitchFamily="49" charset="-127"/>
+              </a:rPr>
+              <a:t> move(</a:t>
+            </a:r>
+            <a:r>
+              <a:rPr lang="en-US" altLang="ko-KR" sz="860" dirty="0">
+                <a:solidFill>
+                  <a:srgbClr val="0000FF"/>
+                </a:solidFill>
+                <a:latin typeface="돋움체" panose="020B0609000101010101" pitchFamily="49" charset="-127"/>
+                <a:ea typeface="돋움체" panose="020B0609000101010101" pitchFamily="49" charset="-127"/>
+              </a:rPr>
+              <a:t>const</a:t>
+            </a:r>
+            <a:r>
+              <a:rPr lang="en-US" altLang="ko-KR" sz="860" dirty="0">
+                <a:solidFill>
+                  <a:srgbClr val="000000"/>
+                </a:solidFill>
+                <a:latin typeface="돋움체" panose="020B0609000101010101" pitchFamily="49" charset="-127"/>
+                <a:ea typeface="돋움체" panose="020B0609000101010101" pitchFamily="49" charset="-127"/>
+              </a:rPr>
+              <a:t> </a:t>
+            </a:r>
+            <a:r>
+              <a:rPr lang="en-US" altLang="ko-KR" sz="860" dirty="0">
+                <a:solidFill>
+                  <a:srgbClr val="0000FF"/>
+                </a:solidFill>
+                <a:latin typeface="돋움체" panose="020B0609000101010101" pitchFamily="49" charset="-127"/>
+                <a:ea typeface="돋움체" panose="020B0609000101010101" pitchFamily="49" charset="-127"/>
+              </a:rPr>
+              <a:t>int</a:t>
+            </a:r>
+            <a:r>
+              <a:rPr lang="en-US" altLang="ko-KR" sz="860" dirty="0">
+                <a:solidFill>
+                  <a:srgbClr val="000000"/>
+                </a:solidFill>
+                <a:latin typeface="돋움체" panose="020B0609000101010101" pitchFamily="49" charset="-127"/>
+                <a:ea typeface="돋움체" panose="020B0609000101010101" pitchFamily="49" charset="-127"/>
+              </a:rPr>
+              <a:t> </a:t>
+            </a:r>
+            <a:r>
+              <a:rPr lang="en-US" altLang="ko-KR" sz="860" dirty="0">
+                <a:solidFill>
+                  <a:srgbClr val="808080"/>
+                </a:solidFill>
+                <a:latin typeface="돋움체" panose="020B0609000101010101" pitchFamily="49" charset="-127"/>
+                <a:ea typeface="돋움체" panose="020B0609000101010101" pitchFamily="49" charset="-127"/>
+              </a:rPr>
+              <a:t>key</a:t>
+            </a:r>
+            <a:r>
+              <a:rPr lang="en-US" altLang="ko-KR" sz="860" dirty="0">
+                <a:solidFill>
+                  <a:srgbClr val="000000"/>
+                </a:solidFill>
+                <a:latin typeface="돋움체" panose="020B0609000101010101" pitchFamily="49" charset="-127"/>
+                <a:ea typeface="돋움체" panose="020B0609000101010101" pitchFamily="49" charset="-127"/>
+              </a:rPr>
+              <a:t>);</a:t>
+            </a:r>
+          </a:p>
+          <a:p>
+            <a:r>
+              <a:rPr lang="en-US" altLang="ko-KR" sz="860" dirty="0">
+                <a:solidFill>
+                  <a:srgbClr val="0000FF"/>
+                </a:solidFill>
+                <a:latin typeface="돋움체" panose="020B0609000101010101" pitchFamily="49" charset="-127"/>
+                <a:ea typeface="돋움체" panose="020B0609000101010101" pitchFamily="49" charset="-127"/>
+              </a:rPr>
               <a:t>virtual</a:t>
             </a:r>
             <a:r>
-              <a:rPr lang="en-US" altLang="ko-KR" sz="857" dirty="0">
+              <a:rPr lang="en-US" altLang="ko-KR" sz="860" dirty="0">
                 <a:solidFill>
                   <a:srgbClr val="000000"/>
                 </a:solidFill>
@@ -4231,7 +4320,7 @@
               <a:t> </a:t>
             </a:r>
             <a:r>
-              <a:rPr lang="en-US" altLang="ko-KR" sz="857" dirty="0">
+              <a:rPr lang="en-US" altLang="ko-KR" sz="860" dirty="0">
                 <a:solidFill>
                   <a:srgbClr val="0000FF"/>
                 </a:solidFill>
@@ -4241,7 +4330,7 @@
               <a:t>void</a:t>
             </a:r>
             <a:r>
-              <a:rPr lang="en-US" altLang="ko-KR" sz="857" dirty="0">
+              <a:rPr lang="en-US" altLang="ko-KR" sz="860" dirty="0">
                 <a:solidFill>
                   <a:srgbClr val="000000"/>
                 </a:solidFill>
@@ -4251,7 +4340,7 @@
               <a:t> render() </a:t>
             </a:r>
             <a:r>
-              <a:rPr lang="en-US" altLang="ko-KR" sz="857" dirty="0">
+              <a:rPr lang="en-US" altLang="ko-KR" sz="860" dirty="0">
                 <a:solidFill>
                   <a:srgbClr val="0000FF"/>
                 </a:solidFill>
@@ -4261,7 +4350,7 @@
               <a:t>override</a:t>
             </a:r>
             <a:r>
-              <a:rPr lang="en-US" altLang="ko-KR" sz="857" dirty="0">
+              <a:rPr lang="en-US" altLang="ko-KR" sz="860" dirty="0">
                 <a:solidFill>
                   <a:srgbClr val="000000"/>
                 </a:solidFill>
@@ -4270,7 +4359,7 @@
               </a:rPr>
               <a:t>;</a:t>
             </a:r>
-            <a:endParaRPr lang="ko-KR" altLang="en-US" sz="857" b="1" dirty="0">
+            <a:endParaRPr lang="ko-KR" altLang="en-US" sz="860" b="1" dirty="0">
               <a:solidFill>
                 <a:schemeClr val="tx1"/>
               </a:solidFill>
@@ -4944,20 +5033,109 @@
               </a:rPr>
               <a:t>;</a:t>
             </a:r>
-          </a:p>
-          <a:p>
-            <a:r>
-              <a:rPr lang="en-US" altLang="ko-KR" sz="857" dirty="0">
+            <a:endParaRPr lang="ko-KR" altLang="en-US" sz="860" dirty="0">
+              <a:solidFill>
+                <a:srgbClr val="000000"/>
+              </a:solidFill>
+              <a:latin typeface="돋움체" panose="020B0609000101010101" pitchFamily="49" charset="-127"/>
+              <a:ea typeface="돋움체" panose="020B0609000101010101" pitchFamily="49" charset="-127"/>
+            </a:endParaRPr>
+          </a:p>
+          <a:p>
+            <a:r>
+              <a:rPr lang="en-US" altLang="ko-KR" sz="860" dirty="0">
                 <a:solidFill>
                   <a:srgbClr val="0000FF"/>
                 </a:solidFill>
                 <a:latin typeface="돋움체" panose="020B0609000101010101" pitchFamily="49" charset="-127"/>
                 <a:ea typeface="돋움체" panose="020B0609000101010101" pitchFamily="49" charset="-127"/>
               </a:rPr>
+              <a:t>void</a:t>
+            </a:r>
+            <a:r>
+              <a:rPr lang="en-US" altLang="ko-KR" sz="860" dirty="0">
+                <a:solidFill>
+                  <a:srgbClr val="000000"/>
+                </a:solidFill>
+                <a:latin typeface="돋움체" panose="020B0609000101010101" pitchFamily="49" charset="-127"/>
+                <a:ea typeface="돋움체" panose="020B0609000101010101" pitchFamily="49" charset="-127"/>
+              </a:rPr>
+              <a:t> move(</a:t>
+            </a:r>
+            <a:r>
+              <a:rPr lang="en-US" altLang="ko-KR" sz="860" dirty="0">
+                <a:solidFill>
+                  <a:srgbClr val="0000FF"/>
+                </a:solidFill>
+                <a:latin typeface="돋움체" panose="020B0609000101010101" pitchFamily="49" charset="-127"/>
+                <a:ea typeface="돋움체" panose="020B0609000101010101" pitchFamily="49" charset="-127"/>
+              </a:rPr>
+              <a:t>const</a:t>
+            </a:r>
+            <a:r>
+              <a:rPr lang="en-US" altLang="ko-KR" sz="860" dirty="0">
+                <a:solidFill>
+                  <a:srgbClr val="000000"/>
+                </a:solidFill>
+                <a:latin typeface="돋움체" panose="020B0609000101010101" pitchFamily="49" charset="-127"/>
+                <a:ea typeface="돋움체" panose="020B0609000101010101" pitchFamily="49" charset="-127"/>
+              </a:rPr>
+              <a:t> </a:t>
+            </a:r>
+            <a:r>
+              <a:rPr lang="en-US" altLang="ko-KR" sz="860" dirty="0" err="1">
+                <a:solidFill>
+                  <a:srgbClr val="2B91AF"/>
+                </a:solidFill>
+                <a:latin typeface="돋움체" panose="020B0609000101010101" pitchFamily="49" charset="-127"/>
+                <a:ea typeface="돋움체" panose="020B0609000101010101" pitchFamily="49" charset="-127"/>
+              </a:rPr>
+              <a:t>playerData</a:t>
+            </a:r>
+            <a:r>
+              <a:rPr lang="en-US" altLang="ko-KR" sz="860" dirty="0">
+                <a:solidFill>
+                  <a:srgbClr val="000000"/>
+                </a:solidFill>
+                <a:latin typeface="돋움체" panose="020B0609000101010101" pitchFamily="49" charset="-127"/>
+                <a:ea typeface="돋움체" panose="020B0609000101010101" pitchFamily="49" charset="-127"/>
+              </a:rPr>
+              <a:t>&amp; </a:t>
+            </a:r>
+            <a:r>
+              <a:rPr lang="en-US" altLang="ko-KR" sz="860" dirty="0">
+                <a:solidFill>
+                  <a:srgbClr val="808080"/>
+                </a:solidFill>
+                <a:latin typeface="돋움체" panose="020B0609000101010101" pitchFamily="49" charset="-127"/>
+                <a:ea typeface="돋움체" panose="020B0609000101010101" pitchFamily="49" charset="-127"/>
+              </a:rPr>
+              <a:t>player</a:t>
+            </a:r>
+            <a:r>
+              <a:rPr lang="en-US" altLang="ko-KR" sz="860" dirty="0">
+                <a:solidFill>
+                  <a:srgbClr val="000000"/>
+                </a:solidFill>
+                <a:latin typeface="돋움체" panose="020B0609000101010101" pitchFamily="49" charset="-127"/>
+                <a:ea typeface="돋움체" panose="020B0609000101010101" pitchFamily="49" charset="-127"/>
+              </a:rPr>
+              <a:t>);</a:t>
+            </a:r>
+          </a:p>
+          <a:p>
+            <a:r>
+              <a:rPr lang="en-US" altLang="ko-KR" sz="860" dirty="0">
+                <a:solidFill>
+                  <a:srgbClr val="0000FF"/>
+                </a:solidFill>
+                <a:latin typeface="돋움체" panose="020B0609000101010101" pitchFamily="49" charset="-127"/>
+                <a:ea typeface="돋움체" panose="020B0609000101010101" pitchFamily="49" charset="-127"/>
+              </a:rPr>
               <a:t>virtual</a:t>
             </a:r>
             <a:r>
-              <a:rPr lang="en-US" altLang="ko-KR" sz="857" dirty="0">
+              <a:rPr lang="en-US" altLang="ko-KR" sz="860" dirty="0">
                 <a:solidFill>
                   <a:srgbClr val="000000"/>
                 </a:solidFill>
@@ -4967,7 +5145,7 @@
               <a:t> </a:t>
             </a:r>
             <a:r>
-              <a:rPr lang="en-US" altLang="ko-KR" sz="857" dirty="0">
+              <a:rPr lang="en-US" altLang="ko-KR" sz="860" dirty="0">
                 <a:solidFill>
                   <a:srgbClr val="0000FF"/>
                 </a:solidFill>
@@ -4977,7 +5155,7 @@
               <a:t>void</a:t>
             </a:r>
             <a:r>
-              <a:rPr lang="en-US" altLang="ko-KR" sz="857" dirty="0">
+              <a:rPr lang="en-US" altLang="ko-KR" sz="860" dirty="0">
                 <a:solidFill>
                   <a:srgbClr val="000000"/>
                 </a:solidFill>
@@ -4987,7 +5165,7 @@
               <a:t> render() </a:t>
             </a:r>
             <a:r>
-              <a:rPr lang="en-US" altLang="ko-KR" sz="857" dirty="0">
+              <a:rPr lang="en-US" altLang="ko-KR" sz="860" dirty="0">
                 <a:solidFill>
                   <a:srgbClr val="0000FF"/>
                 </a:solidFill>
@@ -4997,7 +5175,7 @@
               <a:t>override</a:t>
             </a:r>
             <a:r>
-              <a:rPr lang="en-US" altLang="ko-KR" sz="857" dirty="0">
+              <a:rPr lang="en-US" altLang="ko-KR" sz="860" dirty="0">
                 <a:solidFill>
                   <a:srgbClr val="000000"/>
                 </a:solidFill>
@@ -5006,7 +5184,7 @@
               </a:rPr>
               <a:t>;</a:t>
             </a:r>
-            <a:endParaRPr lang="ko-KR" altLang="en-US" sz="857" b="1" dirty="0">
+            <a:endParaRPr lang="ko-KR" altLang="en-US" sz="860" b="1" dirty="0">
               <a:solidFill>
                 <a:schemeClr val="tx1"/>
               </a:solidFill>
